--- a/COMP1631/lecture_7_presentation.pptx
+++ b/COMP1631/lecture_7_presentation.pptx
@@ -8122,11 +8122,7 @@
                   <a:schemeClr val="bg1"/>
                 </a:solidFill>
               </a:rPr>
-              <a:t>Password is: </a:t>
-            </a:r>
-            <a:r>
-              <a:rPr lang="en-US" sz="2000" dirty="0"/>
-              <a:t>Module07W24</a:t>
+              <a:t>Password is: Module07W24</a:t>
             </a:r>
           </a:p>
           <a:p>
